--- a/04-CrMagOpt/Pictures/PLEDotPres.pptx
+++ b/04-CrMagOpt/Pictures/PLEDotPres.pptx
@@ -7,7 +7,7 @@
   <p:sldIdLst>
     <p:sldId id="256" r:id="rId2"/>
   </p:sldIdLst>
-  <p:sldSz cx="9180513" cy="8640763"/>
+  <p:sldSz cx="11161713" cy="6948488"/>
   <p:notesSz cx="6858000" cy="9144000"/>
   <p:defaultTextStyle>
     <a:defPPr>
@@ -136,8 +136,8 @@
         </p:nvSpPr>
         <p:spPr>
           <a:xfrm>
-            <a:off x="688541" y="2684238"/>
-            <a:ext cx="7803437" cy="1852164"/>
+            <a:off x="837132" y="2158536"/>
+            <a:ext cx="9487458" cy="1489422"/>
           </a:xfrm>
         </p:spPr>
         <p:txBody>
@@ -164,8 +164,8 @@
         </p:nvSpPr>
         <p:spPr>
           <a:xfrm>
-            <a:off x="1377079" y="4896434"/>
-            <a:ext cx="6426360" cy="2208195"/>
+            <a:off x="1674267" y="3937484"/>
+            <a:ext cx="7813199" cy="1775725"/>
           </a:xfrm>
         </p:spPr>
         <p:txBody>
@@ -288,7 +288,7 @@
           <a:p>
             <a:fld id="{8DBBD053-8B74-4774-9EDF-619207C4621F}" type="datetimeFigureOut">
               <a:rPr lang="fr-FR" smtClean="0"/>
-              <a:t>06/04/2017</a:t>
+              <a:t>08/05/2017</a:t>
             </a:fld>
             <a:endParaRPr lang="fr-FR"/>
           </a:p>
@@ -458,7 +458,7 @@
           <a:p>
             <a:fld id="{8DBBD053-8B74-4774-9EDF-619207C4621F}" type="datetimeFigureOut">
               <a:rPr lang="fr-FR" smtClean="0"/>
-              <a:t>06/04/2017</a:t>
+              <a:t>08/05/2017</a:t>
             </a:fld>
             <a:endParaRPr lang="fr-FR"/>
           </a:p>
@@ -548,8 +548,8 @@
         </p:nvSpPr>
         <p:spPr>
           <a:xfrm>
-            <a:off x="5634226" y="326032"/>
-            <a:ext cx="1748441" cy="6966615"/>
+            <a:off x="6850128" y="262184"/>
+            <a:ext cx="2125764" cy="5602219"/>
           </a:xfrm>
         </p:spPr>
         <p:txBody>
@@ -576,8 +576,8 @@
         </p:nvSpPr>
         <p:spPr>
           <a:xfrm>
-            <a:off x="388897" y="326032"/>
-            <a:ext cx="5092316" cy="6966615"/>
+            <a:off x="472826" y="262184"/>
+            <a:ext cx="6191264" cy="5602219"/>
           </a:xfrm>
         </p:spPr>
         <p:txBody>
@@ -638,7 +638,7 @@
           <a:p>
             <a:fld id="{8DBBD053-8B74-4774-9EDF-619207C4621F}" type="datetimeFigureOut">
               <a:rPr lang="fr-FR" smtClean="0"/>
-              <a:t>06/04/2017</a:t>
+              <a:t>08/05/2017</a:t>
             </a:fld>
             <a:endParaRPr lang="fr-FR"/>
           </a:p>
@@ -808,7 +808,7 @@
           <a:p>
             <a:fld id="{8DBBD053-8B74-4774-9EDF-619207C4621F}" type="datetimeFigureOut">
               <a:rPr lang="fr-FR" smtClean="0"/>
-              <a:t>06/04/2017</a:t>
+              <a:t>08/05/2017</a:t>
             </a:fld>
             <a:endParaRPr lang="fr-FR"/>
           </a:p>
@@ -898,8 +898,8 @@
         </p:nvSpPr>
         <p:spPr>
           <a:xfrm>
-            <a:off x="725202" y="5552493"/>
-            <a:ext cx="7803437" cy="1716152"/>
+            <a:off x="881705" y="4465053"/>
+            <a:ext cx="9487458" cy="1380047"/>
           </a:xfrm>
         </p:spPr>
         <p:txBody>
@@ -930,8 +930,8 @@
         </p:nvSpPr>
         <p:spPr>
           <a:xfrm>
-            <a:off x="725202" y="3662324"/>
-            <a:ext cx="7803437" cy="1890167"/>
+            <a:off x="881705" y="2945070"/>
+            <a:ext cx="9487458" cy="1519981"/>
           </a:xfrm>
         </p:spPr>
         <p:txBody>
@@ -1054,7 +1054,7 @@
           <a:p>
             <a:fld id="{8DBBD053-8B74-4774-9EDF-619207C4621F}" type="datetimeFigureOut">
               <a:rPr lang="fr-FR" smtClean="0"/>
-              <a:t>06/04/2017</a:t>
+              <a:t>08/05/2017</a:t>
             </a:fld>
             <a:endParaRPr lang="fr-FR"/>
           </a:p>
@@ -1167,8 +1167,8 @@
         </p:nvSpPr>
         <p:spPr>
           <a:xfrm>
-            <a:off x="388897" y="1904172"/>
-            <a:ext cx="3420380" cy="5388475"/>
+            <a:off x="472830" y="1531246"/>
+            <a:ext cx="4158514" cy="4333154"/>
           </a:xfrm>
         </p:spPr>
         <p:txBody>
@@ -1252,8 +1252,8 @@
         </p:nvSpPr>
         <p:spPr>
           <a:xfrm>
-            <a:off x="3962284" y="1904172"/>
-            <a:ext cx="3420380" cy="5388475"/>
+            <a:off x="4817366" y="1531246"/>
+            <a:ext cx="4158514" cy="4333154"/>
           </a:xfrm>
         </p:spPr>
         <p:txBody>
@@ -1342,7 +1342,7 @@
           <a:p>
             <a:fld id="{8DBBD053-8B74-4774-9EDF-619207C4621F}" type="datetimeFigureOut">
               <a:rPr lang="fr-FR" smtClean="0"/>
-              <a:t>06/04/2017</a:t>
+              <a:t>08/05/2017</a:t>
             </a:fld>
             <a:endParaRPr lang="fr-FR"/>
           </a:p>
@@ -1432,8 +1432,8 @@
         </p:nvSpPr>
         <p:spPr>
           <a:xfrm>
-            <a:off x="459028" y="346035"/>
-            <a:ext cx="8262462" cy="1440127"/>
+            <a:off x="558091" y="278272"/>
+            <a:ext cx="10045542" cy="1158081"/>
           </a:xfrm>
         </p:spPr>
         <p:txBody>
@@ -1464,8 +1464,8 @@
         </p:nvSpPr>
         <p:spPr>
           <a:xfrm>
-            <a:off x="459030" y="1934172"/>
-            <a:ext cx="4056321" cy="806071"/>
+            <a:off x="558092" y="1555375"/>
+            <a:ext cx="4931695" cy="648203"/>
           </a:xfrm>
         </p:spPr>
         <p:txBody>
@@ -1529,8 +1529,8 @@
         </p:nvSpPr>
         <p:spPr>
           <a:xfrm>
-            <a:off x="459030" y="2740246"/>
-            <a:ext cx="4056321" cy="4978440"/>
+            <a:off x="558092" y="2203578"/>
+            <a:ext cx="4931695" cy="4003423"/>
           </a:xfrm>
         </p:spPr>
         <p:txBody>
@@ -1614,8 +1614,8 @@
         </p:nvSpPr>
         <p:spPr>
           <a:xfrm>
-            <a:off x="4663578" y="1934172"/>
-            <a:ext cx="4057914" cy="806071"/>
+            <a:off x="5670009" y="1555375"/>
+            <a:ext cx="4933632" cy="648203"/>
           </a:xfrm>
         </p:spPr>
         <p:txBody>
@@ -1679,8 +1679,8 @@
         </p:nvSpPr>
         <p:spPr>
           <a:xfrm>
-            <a:off x="4663578" y="2740246"/>
-            <a:ext cx="4057914" cy="4978440"/>
+            <a:off x="5670009" y="2203578"/>
+            <a:ext cx="4933632" cy="4003423"/>
           </a:xfrm>
         </p:spPr>
         <p:txBody>
@@ -1769,7 +1769,7 @@
           <a:p>
             <a:fld id="{8DBBD053-8B74-4774-9EDF-619207C4621F}" type="datetimeFigureOut">
               <a:rPr lang="fr-FR" smtClean="0"/>
-              <a:t>06/04/2017</a:t>
+              <a:t>08/05/2017</a:t>
             </a:fld>
             <a:endParaRPr lang="fr-FR"/>
           </a:p>
@@ -1887,7 +1887,7 @@
           <a:p>
             <a:fld id="{8DBBD053-8B74-4774-9EDF-619207C4621F}" type="datetimeFigureOut">
               <a:rPr lang="fr-FR" smtClean="0"/>
-              <a:t>06/04/2017</a:t>
+              <a:t>08/05/2017</a:t>
             </a:fld>
             <a:endParaRPr lang="fr-FR"/>
           </a:p>
@@ -1982,7 +1982,7 @@
           <a:p>
             <a:fld id="{8DBBD053-8B74-4774-9EDF-619207C4621F}" type="datetimeFigureOut">
               <a:rPr lang="fr-FR" smtClean="0"/>
-              <a:t>06/04/2017</a:t>
+              <a:t>08/05/2017</a:t>
             </a:fld>
             <a:endParaRPr lang="fr-FR"/>
           </a:p>
@@ -2072,8 +2072,8 @@
         </p:nvSpPr>
         <p:spPr>
           <a:xfrm>
-            <a:off x="459031" y="344032"/>
-            <a:ext cx="3020326" cy="1464130"/>
+            <a:off x="558092" y="276656"/>
+            <a:ext cx="3672127" cy="1177384"/>
           </a:xfrm>
         </p:spPr>
         <p:txBody>
@@ -2104,8 +2104,8 @@
         </p:nvSpPr>
         <p:spPr>
           <a:xfrm>
-            <a:off x="3589326" y="344032"/>
-            <a:ext cx="5132161" cy="7374652"/>
+            <a:off x="4363921" y="276661"/>
+            <a:ext cx="6239708" cy="5930341"/>
           </a:xfrm>
         </p:spPr>
         <p:txBody>
@@ -2189,8 +2189,8 @@
         </p:nvSpPr>
         <p:spPr>
           <a:xfrm>
-            <a:off x="459031" y="1808160"/>
-            <a:ext cx="3020326" cy="5910522"/>
+            <a:off x="558092" y="1454038"/>
+            <a:ext cx="3672127" cy="4752959"/>
           </a:xfrm>
         </p:spPr>
         <p:txBody>
@@ -2259,7 +2259,7 @@
           <a:p>
             <a:fld id="{8DBBD053-8B74-4774-9EDF-619207C4621F}" type="datetimeFigureOut">
               <a:rPr lang="fr-FR" smtClean="0"/>
-              <a:t>06/04/2017</a:t>
+              <a:t>08/05/2017</a:t>
             </a:fld>
             <a:endParaRPr lang="fr-FR"/>
           </a:p>
@@ -2349,8 +2349,8 @@
         </p:nvSpPr>
         <p:spPr>
           <a:xfrm>
-            <a:off x="1799446" y="6048534"/>
-            <a:ext cx="5508308" cy="714064"/>
+            <a:off x="2187783" y="4863943"/>
+            <a:ext cx="6697028" cy="574216"/>
           </a:xfrm>
         </p:spPr>
         <p:txBody>
@@ -2381,8 +2381,8 @@
         </p:nvSpPr>
         <p:spPr>
           <a:xfrm>
-            <a:off x="1799446" y="772072"/>
-            <a:ext cx="5508308" cy="5184458"/>
+            <a:off x="2187783" y="620869"/>
+            <a:ext cx="6697028" cy="4169093"/>
           </a:xfrm>
         </p:spPr>
         <p:txBody>
@@ -2442,8 +2442,8 @@
         </p:nvSpPr>
         <p:spPr>
           <a:xfrm>
-            <a:off x="1799446" y="6762600"/>
-            <a:ext cx="5508308" cy="1014089"/>
+            <a:off x="2187783" y="5438164"/>
+            <a:ext cx="6697028" cy="815483"/>
           </a:xfrm>
         </p:spPr>
         <p:txBody>
@@ -2512,7 +2512,7 @@
           <a:p>
             <a:fld id="{8DBBD053-8B74-4774-9EDF-619207C4621F}" type="datetimeFigureOut">
               <a:rPr lang="fr-FR" smtClean="0"/>
-              <a:t>06/04/2017</a:t>
+              <a:t>08/05/2017</a:t>
             </a:fld>
             <a:endParaRPr lang="fr-FR"/>
           </a:p>
@@ -2607,8 +2607,8 @@
         </p:nvSpPr>
         <p:spPr>
           <a:xfrm>
-            <a:off x="459028" y="346035"/>
-            <a:ext cx="8262462" cy="1440127"/>
+            <a:off x="558091" y="278272"/>
+            <a:ext cx="10045542" cy="1158081"/>
           </a:xfrm>
           <a:prstGeom prst="rect">
             <a:avLst/>
@@ -2640,8 +2640,8 @@
         </p:nvSpPr>
         <p:spPr>
           <a:xfrm>
-            <a:off x="459028" y="2016178"/>
-            <a:ext cx="8262462" cy="5702504"/>
+            <a:off x="558091" y="1621318"/>
+            <a:ext cx="10045542" cy="4585681"/>
           </a:xfrm>
           <a:prstGeom prst="rect">
             <a:avLst/>
@@ -2702,8 +2702,8 @@
         </p:nvSpPr>
         <p:spPr>
           <a:xfrm>
-            <a:off x="459026" y="8008709"/>
-            <a:ext cx="2142120" cy="460040"/>
+            <a:off x="558087" y="6440223"/>
+            <a:ext cx="2604401" cy="369942"/>
           </a:xfrm>
           <a:prstGeom prst="rect">
             <a:avLst/>
@@ -2725,7 +2725,7 @@
           <a:p>
             <a:fld id="{8DBBD053-8B74-4774-9EDF-619207C4621F}" type="datetimeFigureOut">
               <a:rPr lang="fr-FR" smtClean="0"/>
-              <a:t>06/04/2017</a:t>
+              <a:t>08/05/2017</a:t>
             </a:fld>
             <a:endParaRPr lang="fr-FR"/>
           </a:p>
@@ -2743,8 +2743,8 @@
         </p:nvSpPr>
         <p:spPr>
           <a:xfrm>
-            <a:off x="3136676" y="8008709"/>
-            <a:ext cx="2907162" cy="460040"/>
+            <a:off x="3813587" y="6440223"/>
+            <a:ext cx="3534541" cy="369942"/>
           </a:xfrm>
           <a:prstGeom prst="rect">
             <a:avLst/>
@@ -2780,8 +2780,8 @@
         </p:nvSpPr>
         <p:spPr>
           <a:xfrm>
-            <a:off x="6579368" y="8008709"/>
-            <a:ext cx="2142120" cy="460040"/>
+            <a:off x="7999228" y="6440223"/>
+            <a:ext cx="2604401" cy="369942"/>
           </a:xfrm>
           <a:prstGeom prst="rect">
             <a:avLst/>
@@ -3102,7 +3102,7 @@
       </p:grpSpPr>
       <p:pic>
         <p:nvPicPr>
-          <p:cNvPr id="10" name="Picture 2"/>
+          <p:cNvPr id="70" name="Picture 5"/>
           <p:cNvPicPr>
             <a:picLocks noChangeAspect="1" noChangeArrowheads="1"/>
           </p:cNvPicPr>
@@ -3123,8 +3123,8 @@
         </p:blipFill>
         <p:spPr bwMode="auto">
           <a:xfrm>
-            <a:off x="-88977" y="1517526"/>
-            <a:ext cx="4678363" cy="5422900"/>
+            <a:off x="7606800" y="-90000"/>
+            <a:ext cx="4111263" cy="6951600"/>
           </a:xfrm>
           <a:prstGeom prst="rect">
             <a:avLst/>
@@ -3166,7 +3166,7 @@
       </p:pic>
       <p:pic>
         <p:nvPicPr>
-          <p:cNvPr id="11" name="Picture 3"/>
+          <p:cNvPr id="71" name="Picture 2"/>
           <p:cNvPicPr>
             <a:picLocks noChangeAspect="1" noChangeArrowheads="1"/>
           </p:cNvPicPr>
@@ -3187,8 +3187,8 @@
         </p:blipFill>
         <p:spPr bwMode="auto">
           <a:xfrm>
-            <a:off x="4458047" y="-72107"/>
-            <a:ext cx="4884737" cy="8653463"/>
+            <a:off x="-88977" y="711375"/>
+            <a:ext cx="4678363" cy="5422900"/>
           </a:xfrm>
           <a:prstGeom prst="rect">
             <a:avLst/>
@@ -3230,13 +3230,13 @@
       </p:pic>
       <p:sp>
         <p:nvSpPr>
-          <p:cNvPr id="4" name="ZoneTexte 3"/>
+          <p:cNvPr id="72" name="ZoneTexte 71"/>
           <p:cNvSpPr txBox="1"/>
           <p:nvPr/>
         </p:nvSpPr>
         <p:spPr>
           <a:xfrm>
-            <a:off x="535758" y="1728093"/>
+            <a:off x="535758" y="921942"/>
             <a:ext cx="526106" cy="461665"/>
           </a:xfrm>
           <a:prstGeom prst="rect">
@@ -3264,16 +3264,137 @@
           </a:p>
         </p:txBody>
       </p:sp>
-      <p:sp>
-        <p:nvSpPr>
-          <p:cNvPr id="13" name="ZoneTexte 12"/>
+      <p:grpSp>
+        <p:nvGrpSpPr>
+          <p:cNvPr id="73" name="Groupe 72"/>
+          <p:cNvGrpSpPr/>
+          <p:nvPr/>
+        </p:nvGrpSpPr>
+        <p:grpSpPr>
+          <a:xfrm>
+            <a:off x="4356571" y="-90239"/>
+            <a:ext cx="4124325" cy="6970713"/>
+            <a:chOff x="4238625" y="0"/>
+            <a:chExt cx="4124325" cy="6970713"/>
+          </a:xfrm>
+        </p:grpSpPr>
+        <p:pic>
+          <p:nvPicPr>
+            <p:cNvPr id="74" name="Picture 4"/>
+            <p:cNvPicPr>
+              <a:picLocks noChangeAspect="1" noChangeArrowheads="1"/>
+            </p:cNvPicPr>
+            <p:nvPr/>
+          </p:nvPicPr>
+          <p:blipFill>
+            <a:blip r:embed="rId4">
+              <a:extLst>
+                <a:ext uri="{28A0092B-C50C-407E-A947-70E740481C1C}">
+                  <a14:useLocalDpi xmlns:a14="http://schemas.microsoft.com/office/drawing/2010/main" val="0"/>
+                </a:ext>
+              </a:extLst>
+            </a:blip>
+            <a:srcRect/>
+            <a:stretch>
+              <a:fillRect/>
+            </a:stretch>
+          </p:blipFill>
+          <p:spPr bwMode="auto">
+            <a:xfrm>
+              <a:off x="4238625" y="0"/>
+              <a:ext cx="4124325" cy="6970713"/>
+            </a:xfrm>
+            <a:prstGeom prst="rect">
+              <a:avLst/>
+            </a:prstGeom>
+            <a:noFill/>
+            <a:ln>
+              <a:noFill/>
+            </a:ln>
+            <a:effectLst/>
+            <a:extLst>
+              <a:ext uri="{909E8E84-426E-40DD-AFC4-6F175D3DCCD1}">
+                <a14:hiddenFill xmlns:a14="http://schemas.microsoft.com/office/drawing/2010/main">
+                  <a:solidFill>
+                    <a:schemeClr val="accent1"/>
+                  </a:solidFill>
+                </a14:hiddenFill>
+              </a:ext>
+              <a:ext uri="{91240B29-F687-4F45-9708-019B960494DF}">
+                <a14:hiddenLine xmlns:a14="http://schemas.microsoft.com/office/drawing/2010/main" w="9525">
+                  <a:solidFill>
+                    <a:schemeClr val="tx1"/>
+                  </a:solidFill>
+                  <a:miter lim="800000"/>
+                  <a:headEnd/>
+                  <a:tailEnd/>
+                </a14:hiddenLine>
+              </a:ext>
+              <a:ext uri="{AF507438-7753-43E0-B8FC-AC1667EBCBE1}">
+                <a14:hiddenEffects xmlns:a14="http://schemas.microsoft.com/office/drawing/2010/main">
+                  <a:effectLst>
+                    <a:outerShdw dist="35921" dir="2700000" algn="ctr" rotWithShape="0">
+                      <a:schemeClr val="bg2"/>
+                    </a:outerShdw>
+                  </a:effectLst>
+                </a14:hiddenEffects>
+              </a:ext>
+            </a:extLst>
+          </p:spPr>
+        </p:pic>
+        <p:sp>
+          <p:nvSpPr>
+            <p:cNvPr id="75" name="ZoneTexte 74"/>
+            <p:cNvSpPr txBox="1"/>
+            <p:nvPr/>
+          </p:nvSpPr>
+          <p:spPr>
+            <a:xfrm>
+              <a:off x="5108976" y="240184"/>
+              <a:ext cx="543739" cy="461665"/>
+            </a:xfrm>
+            <a:prstGeom prst="rect">
+              <a:avLst/>
+            </a:prstGeom>
+            <a:noFill/>
+          </p:spPr>
+          <p:txBody>
+            <a:bodyPr wrap="none" rtlCol="0">
+              <a:spAutoFit/>
+            </a:bodyPr>
+            <a:lstStyle/>
+            <a:p>
+              <a:r>
+                <a:rPr lang="fr-FR" sz="2400" dirty="0" smtClean="0">
+                  <a:solidFill>
+                    <a:schemeClr val="bg1"/>
+                  </a:solidFill>
+                  <a:latin typeface="Times New Roman" pitchFamily="18" charset="0"/>
+                  <a:cs typeface="Times New Roman" pitchFamily="18" charset="0"/>
+                </a:rPr>
+                <a:t>(b)</a:t>
+              </a:r>
+              <a:endParaRPr lang="fr-FR" sz="2400" dirty="0">
+                <a:solidFill>
+                  <a:schemeClr val="bg1"/>
+                </a:solidFill>
+                <a:latin typeface="Times New Roman" pitchFamily="18" charset="0"/>
+                <a:cs typeface="Times New Roman" pitchFamily="18" charset="0"/>
+              </a:endParaRPr>
+            </a:p>
+          </p:txBody>
+        </p:sp>
+      </p:grpSp>
+      <p:sp>
+        <p:nvSpPr>
+          <p:cNvPr id="76" name="ZoneTexte 75"/>
           <p:cNvSpPr txBox="1"/>
           <p:nvPr/>
         </p:nvSpPr>
         <p:spPr>
           <a:xfrm>
-            <a:off x="4622581" y="42292"/>
-            <a:ext cx="543739" cy="461665"/>
+            <a:off x="8461027" y="132259"/>
+            <a:ext cx="526106" cy="461665"/>
           </a:xfrm>
           <a:prstGeom prst="rect">
             <a:avLst/>
@@ -3288,12 +3409,18 @@
           <a:p>
             <a:r>
               <a:rPr lang="fr-FR" sz="2400" dirty="0" smtClean="0">
+                <a:solidFill>
+                  <a:schemeClr val="bg1"/>
+                </a:solidFill>
                 <a:latin typeface="Times New Roman" pitchFamily="18" charset="0"/>
                 <a:cs typeface="Times New Roman" pitchFamily="18" charset="0"/>
               </a:rPr>
-              <a:t>(b)</a:t>
+              <a:t>(c)</a:t>
             </a:r>
             <a:endParaRPr lang="fr-FR" sz="2400" dirty="0">
+              <a:solidFill>
+                <a:schemeClr val="bg1"/>
+              </a:solidFill>
               <a:latin typeface="Times New Roman" pitchFamily="18" charset="0"/>
               <a:cs typeface="Times New Roman" pitchFamily="18" charset="0"/>
             </a:endParaRPr>

--- a/04-CrMagOpt/Pictures/PLEDotPres.pptx
+++ b/04-CrMagOpt/Pictures/PLEDotPres.pptx
@@ -1,19 +1,114 @@
 
 <file path=ppt/presentation.xml><?xml version="1.0" encoding="utf-8"?>
-<p:presentation xmlns:a="http://schemas.openxmlformats.org/drawingml/2006/main" xmlns:p="http://schemas.openxmlformats.org/presentationml/2006/main" xmlns:r="http://schemas.openxmlformats.org/officeDocument/2006/relationships">
+<p:presentation xmlns:a="http://schemas.openxmlformats.org/drawingml/2006/main" xmlns:r="http://schemas.openxmlformats.org/officeDocument/2006/relationships" xmlns:p="http://schemas.openxmlformats.org/presentationml/2006/main">
   <p:sldMasterIdLst>
-    <p:sldMasterId id="2147483648" r:id="rId2"/>
+    <p:sldMasterId id="2147483648" r:id="rId1"/>
   </p:sldMasterIdLst>
   <p:sldIdLst>
-    <p:sldId id="256" r:id="rId3"/>
+    <p:sldId id="256" r:id="rId2"/>
   </p:sldIdLst>
-  <p:sldSz cx="11161712" cy="6948487"/>
-  <p:notesSz cx="7559675" cy="10691812"/>
+  <p:sldSz cx="11161713" cy="6948488"/>
+  <p:notesSz cx="7559675" cy="10691813"/>
+  <p:defaultTextStyle>
+    <a:defPPr>
+      <a:defRPr lang="fr-FR"/>
+    </a:defPPr>
+    <a:lvl1pPr marL="0" algn="l" defTabSz="914400" rtl="0" eaLnBrk="1" latinLnBrk="0" hangingPunct="1">
+      <a:defRPr sz="1800" kern="1200">
+        <a:solidFill>
+          <a:schemeClr val="tx1"/>
+        </a:solidFill>
+        <a:latin typeface="+mn-lt"/>
+        <a:ea typeface="+mn-ea"/>
+        <a:cs typeface="+mn-cs"/>
+      </a:defRPr>
+    </a:lvl1pPr>
+    <a:lvl2pPr marL="457200" algn="l" defTabSz="914400" rtl="0" eaLnBrk="1" latinLnBrk="0" hangingPunct="1">
+      <a:defRPr sz="1800" kern="1200">
+        <a:solidFill>
+          <a:schemeClr val="tx1"/>
+        </a:solidFill>
+        <a:latin typeface="+mn-lt"/>
+        <a:ea typeface="+mn-ea"/>
+        <a:cs typeface="+mn-cs"/>
+      </a:defRPr>
+    </a:lvl2pPr>
+    <a:lvl3pPr marL="914400" algn="l" defTabSz="914400" rtl="0" eaLnBrk="1" latinLnBrk="0" hangingPunct="1">
+      <a:defRPr sz="1800" kern="1200">
+        <a:solidFill>
+          <a:schemeClr val="tx1"/>
+        </a:solidFill>
+        <a:latin typeface="+mn-lt"/>
+        <a:ea typeface="+mn-ea"/>
+        <a:cs typeface="+mn-cs"/>
+      </a:defRPr>
+    </a:lvl3pPr>
+    <a:lvl4pPr marL="1371600" algn="l" defTabSz="914400" rtl="0" eaLnBrk="1" latinLnBrk="0" hangingPunct="1">
+      <a:defRPr sz="1800" kern="1200">
+        <a:solidFill>
+          <a:schemeClr val="tx1"/>
+        </a:solidFill>
+        <a:latin typeface="+mn-lt"/>
+        <a:ea typeface="+mn-ea"/>
+        <a:cs typeface="+mn-cs"/>
+      </a:defRPr>
+    </a:lvl4pPr>
+    <a:lvl5pPr marL="1828800" algn="l" defTabSz="914400" rtl="0" eaLnBrk="1" latinLnBrk="0" hangingPunct="1">
+      <a:defRPr sz="1800" kern="1200">
+        <a:solidFill>
+          <a:schemeClr val="tx1"/>
+        </a:solidFill>
+        <a:latin typeface="+mn-lt"/>
+        <a:ea typeface="+mn-ea"/>
+        <a:cs typeface="+mn-cs"/>
+      </a:defRPr>
+    </a:lvl5pPr>
+    <a:lvl6pPr marL="2286000" algn="l" defTabSz="914400" rtl="0" eaLnBrk="1" latinLnBrk="0" hangingPunct="1">
+      <a:defRPr sz="1800" kern="1200">
+        <a:solidFill>
+          <a:schemeClr val="tx1"/>
+        </a:solidFill>
+        <a:latin typeface="+mn-lt"/>
+        <a:ea typeface="+mn-ea"/>
+        <a:cs typeface="+mn-cs"/>
+      </a:defRPr>
+    </a:lvl6pPr>
+    <a:lvl7pPr marL="2743200" algn="l" defTabSz="914400" rtl="0" eaLnBrk="1" latinLnBrk="0" hangingPunct="1">
+      <a:defRPr sz="1800" kern="1200">
+        <a:solidFill>
+          <a:schemeClr val="tx1"/>
+        </a:solidFill>
+        <a:latin typeface="+mn-lt"/>
+        <a:ea typeface="+mn-ea"/>
+        <a:cs typeface="+mn-cs"/>
+      </a:defRPr>
+    </a:lvl7pPr>
+    <a:lvl8pPr marL="3200400" algn="l" defTabSz="914400" rtl="0" eaLnBrk="1" latinLnBrk="0" hangingPunct="1">
+      <a:defRPr sz="1800" kern="1200">
+        <a:solidFill>
+          <a:schemeClr val="tx1"/>
+        </a:solidFill>
+        <a:latin typeface="+mn-lt"/>
+        <a:ea typeface="+mn-ea"/>
+        <a:cs typeface="+mn-cs"/>
+      </a:defRPr>
+    </a:lvl8pPr>
+    <a:lvl9pPr marL="3657600" algn="l" defTabSz="914400" rtl="0" eaLnBrk="1" latinLnBrk="0" hangingPunct="1">
+      <a:defRPr sz="1800" kern="1200">
+        <a:solidFill>
+          <a:schemeClr val="tx1"/>
+        </a:solidFill>
+        <a:latin typeface="+mn-lt"/>
+        <a:ea typeface="+mn-ea"/>
+        <a:cs typeface="+mn-cs"/>
+      </a:defRPr>
+    </a:lvl9pPr>
+  </p:defaultTextStyle>
 </p:presentation>
 </file>
 
 <file path=ppt/slideLayouts/slideLayout1.xml><?xml version="1.0" encoding="utf-8"?>
-<p:sldLayout xmlns:a="http://schemas.openxmlformats.org/drawingml/2006/main" xmlns:p="http://schemas.openxmlformats.org/presentationml/2006/main" xmlns:r="http://schemas.openxmlformats.org/officeDocument/2006/relationships" type="blank" preserve="1">
+<p:sldLayout xmlns:a="http://schemas.openxmlformats.org/drawingml/2006/main" xmlns:r="http://schemas.openxmlformats.org/officeDocument/2006/relationships" xmlns:p="http://schemas.openxmlformats.org/presentationml/2006/main" type="blank" preserve="1">
   <p:cSld name="Blank Slide">
     <p:spTree>
       <p:nvGrpSpPr>
@@ -31,11 +126,14 @@
       </p:grpSpPr>
     </p:spTree>
   </p:cSld>
+  <p:clrMapOvr>
+    <a:masterClrMapping/>
+  </p:clrMapOvr>
 </p:sldLayout>
 </file>
 
 <file path=ppt/slideLayouts/slideLayout10.xml><?xml version="1.0" encoding="utf-8"?>
-<p:sldLayout xmlns:a="http://schemas.openxmlformats.org/drawingml/2006/main" xmlns:p="http://schemas.openxmlformats.org/presentationml/2006/main" xmlns:r="http://schemas.openxmlformats.org/officeDocument/2006/relationships" type="objOverTx" preserve="1">
+<p:sldLayout xmlns:a="http://schemas.openxmlformats.org/drawingml/2006/main" xmlns:r="http://schemas.openxmlformats.org/officeDocument/2006/relationships" xmlns:p="http://schemas.openxmlformats.org/presentationml/2006/main" type="objOverTx" preserve="1">
   <p:cSld name="Title, Content over Content">
     <p:spTree>
       <p:nvGrpSpPr>
@@ -71,7 +169,8 @@
           </a:prstGeom>
         </p:spPr>
         <p:txBody>
-          <a:bodyPr lIns="0" rIns="0" tIns="0" bIns="0" anchor="ctr"/>
+          <a:bodyPr lIns="0" tIns="0" rIns="0" bIns="0" anchor="ctr"/>
+          <a:lstStyle/>
           <a:p>
             <a:endParaRPr/>
           </a:p>
@@ -97,7 +196,8 @@
           </a:prstGeom>
         </p:spPr>
         <p:txBody>
-          <a:bodyPr lIns="0" rIns="0" tIns="0" bIns="0"/>
+          <a:bodyPr lIns="0" tIns="0" rIns="0" bIns="0"/>
+          <a:lstStyle/>
           <a:p>
             <a:endParaRPr/>
           </a:p>
@@ -123,7 +223,8 @@
           </a:prstGeom>
         </p:spPr>
         <p:txBody>
-          <a:bodyPr lIns="0" rIns="0" tIns="0" bIns="0"/>
+          <a:bodyPr lIns="0" tIns="0" rIns="0" bIns="0"/>
+          <a:lstStyle/>
           <a:p>
             <a:endParaRPr/>
           </a:p>
@@ -131,11 +232,14 @@
       </p:sp>
     </p:spTree>
   </p:cSld>
+  <p:clrMapOvr>
+    <a:masterClrMapping/>
+  </p:clrMapOvr>
 </p:sldLayout>
 </file>
 
 <file path=ppt/slideLayouts/slideLayout11.xml><?xml version="1.0" encoding="utf-8"?>
-<p:sldLayout xmlns:a="http://schemas.openxmlformats.org/drawingml/2006/main" xmlns:p="http://schemas.openxmlformats.org/presentationml/2006/main" xmlns:r="http://schemas.openxmlformats.org/officeDocument/2006/relationships" type="fourObj" preserve="1">
+<p:sldLayout xmlns:a="http://schemas.openxmlformats.org/drawingml/2006/main" xmlns:r="http://schemas.openxmlformats.org/officeDocument/2006/relationships" xmlns:p="http://schemas.openxmlformats.org/presentationml/2006/main" type="fourObj" preserve="1">
   <p:cSld name="Title, 4 Content">
     <p:spTree>
       <p:nvGrpSpPr>
@@ -171,7 +275,8 @@
           </a:prstGeom>
         </p:spPr>
         <p:txBody>
-          <a:bodyPr lIns="0" rIns="0" tIns="0" bIns="0" anchor="ctr"/>
+          <a:bodyPr lIns="0" tIns="0" rIns="0" bIns="0" anchor="ctr"/>
+          <a:lstStyle/>
           <a:p>
             <a:endParaRPr/>
           </a:p>
@@ -197,7 +302,8 @@
           </a:prstGeom>
         </p:spPr>
         <p:txBody>
-          <a:bodyPr lIns="0" rIns="0" tIns="0" bIns="0"/>
+          <a:bodyPr lIns="0" tIns="0" rIns="0" bIns="0"/>
+          <a:lstStyle/>
           <a:p>
             <a:endParaRPr/>
           </a:p>
@@ -223,7 +329,8 @@
           </a:prstGeom>
         </p:spPr>
         <p:txBody>
-          <a:bodyPr lIns="0" rIns="0" tIns="0" bIns="0"/>
+          <a:bodyPr lIns="0" tIns="0" rIns="0" bIns="0"/>
+          <a:lstStyle/>
           <a:p>
             <a:endParaRPr/>
           </a:p>
@@ -249,7 +356,8 @@
           </a:prstGeom>
         </p:spPr>
         <p:txBody>
-          <a:bodyPr lIns="0" rIns="0" tIns="0" bIns="0"/>
+          <a:bodyPr lIns="0" tIns="0" rIns="0" bIns="0"/>
+          <a:lstStyle/>
           <a:p>
             <a:endParaRPr/>
           </a:p>
@@ -275,7 +383,8 @@
           </a:prstGeom>
         </p:spPr>
         <p:txBody>
-          <a:bodyPr lIns="0" rIns="0" tIns="0" bIns="0"/>
+          <a:bodyPr lIns="0" tIns="0" rIns="0" bIns="0"/>
+          <a:lstStyle/>
           <a:p>
             <a:endParaRPr/>
           </a:p>
@@ -283,11 +392,14 @@
       </p:sp>
     </p:spTree>
   </p:cSld>
+  <p:clrMapOvr>
+    <a:masterClrMapping/>
+  </p:clrMapOvr>
 </p:sldLayout>
 </file>
 
 <file path=ppt/slideLayouts/slideLayout12.xml><?xml version="1.0" encoding="utf-8"?>
-<p:sldLayout xmlns:a="http://schemas.openxmlformats.org/drawingml/2006/main" xmlns:p="http://schemas.openxmlformats.org/presentationml/2006/main" xmlns:r="http://schemas.openxmlformats.org/officeDocument/2006/relationships" type="blank" preserve="1">
+<p:sldLayout xmlns:a="http://schemas.openxmlformats.org/drawingml/2006/main" xmlns:r="http://schemas.openxmlformats.org/officeDocument/2006/relationships" xmlns:p="http://schemas.openxmlformats.org/presentationml/2006/main" type="blank" preserve="1">
   <p:cSld name="Title, 6 Content">
     <p:spTree>
       <p:nvGrpSpPr>
@@ -323,7 +435,8 @@
           </a:prstGeom>
         </p:spPr>
         <p:txBody>
-          <a:bodyPr lIns="0" rIns="0" tIns="0" bIns="0" anchor="ctr"/>
+          <a:bodyPr lIns="0" tIns="0" rIns="0" bIns="0" anchor="ctr"/>
+          <a:lstStyle/>
           <a:p>
             <a:endParaRPr/>
           </a:p>
@@ -349,7 +462,8 @@
           </a:prstGeom>
         </p:spPr>
         <p:txBody>
-          <a:bodyPr lIns="0" rIns="0" tIns="0" bIns="0"/>
+          <a:bodyPr lIns="0" tIns="0" rIns="0" bIns="0"/>
+          <a:lstStyle/>
           <a:p>
             <a:endParaRPr/>
           </a:p>
@@ -375,7 +489,8 @@
           </a:prstGeom>
         </p:spPr>
         <p:txBody>
-          <a:bodyPr lIns="0" rIns="0" tIns="0" bIns="0"/>
+          <a:bodyPr lIns="0" tIns="0" rIns="0" bIns="0"/>
+          <a:lstStyle/>
           <a:p>
             <a:endParaRPr/>
           </a:p>
@@ -383,7 +498,7 @@
       </p:sp>
       <p:pic>
         <p:nvPicPr>
-          <p:cNvPr id="37" name="" descr=""/>
+          <p:cNvPr id="37" name="Image 36"/>
           <p:cNvPicPr/>
           <p:nvPr/>
         </p:nvPicPr>
@@ -408,12 +523,12 @@
       </p:pic>
       <p:pic>
         <p:nvPicPr>
-          <p:cNvPr id="38" name="" descr=""/>
+          <p:cNvPr id="38" name="Image 37"/>
           <p:cNvPicPr/>
           <p:nvPr/>
         </p:nvPicPr>
         <p:blipFill>
-          <a:blip r:embed="rId3"/>
+          <a:blip r:embed="rId2"/>
           <a:stretch>
             <a:fillRect/>
           </a:stretch>
@@ -433,11 +548,14 @@
       </p:pic>
     </p:spTree>
   </p:cSld>
+  <p:clrMapOvr>
+    <a:masterClrMapping/>
+  </p:clrMapOvr>
 </p:sldLayout>
 </file>
 
 <file path=ppt/slideLayouts/slideLayout2.xml><?xml version="1.0" encoding="utf-8"?>
-<p:sldLayout xmlns:a="http://schemas.openxmlformats.org/drawingml/2006/main" xmlns:p="http://schemas.openxmlformats.org/presentationml/2006/main" xmlns:r="http://schemas.openxmlformats.org/officeDocument/2006/relationships" type="tx" preserve="1">
+<p:sldLayout xmlns:a="http://schemas.openxmlformats.org/drawingml/2006/main" xmlns:r="http://schemas.openxmlformats.org/officeDocument/2006/relationships" xmlns:p="http://schemas.openxmlformats.org/presentationml/2006/main" type="tx" preserve="1">
   <p:cSld name="Title Slide">
     <p:spTree>
       <p:nvGrpSpPr>
@@ -473,7 +591,8 @@
           </a:prstGeom>
         </p:spPr>
         <p:txBody>
-          <a:bodyPr lIns="0" rIns="0" tIns="0" bIns="0" anchor="ctr"/>
+          <a:bodyPr lIns="0" tIns="0" rIns="0" bIns="0" anchor="ctr"/>
+          <a:lstStyle/>
           <a:p>
             <a:endParaRPr/>
           </a:p>
@@ -499,7 +618,8 @@
           </a:prstGeom>
         </p:spPr>
         <p:txBody>
-          <a:bodyPr lIns="0" rIns="0" tIns="0" bIns="0" anchor="ctr"/>
+          <a:bodyPr lIns="0" tIns="0" rIns="0" bIns="0" anchor="ctr"/>
+          <a:lstStyle/>
           <a:p>
             <a:pPr algn="ctr"/>
             <a:endParaRPr/>
@@ -508,11 +628,14 @@
       </p:sp>
     </p:spTree>
   </p:cSld>
+  <p:clrMapOvr>
+    <a:masterClrMapping/>
+  </p:clrMapOvr>
 </p:sldLayout>
 </file>
 
 <file path=ppt/slideLayouts/slideLayout3.xml><?xml version="1.0" encoding="utf-8"?>
-<p:sldLayout xmlns:a="http://schemas.openxmlformats.org/drawingml/2006/main" xmlns:p="http://schemas.openxmlformats.org/presentationml/2006/main" xmlns:r="http://schemas.openxmlformats.org/officeDocument/2006/relationships" type="obj" preserve="1">
+<p:sldLayout xmlns:a="http://schemas.openxmlformats.org/drawingml/2006/main" xmlns:r="http://schemas.openxmlformats.org/officeDocument/2006/relationships" xmlns:p="http://schemas.openxmlformats.org/presentationml/2006/main" type="obj" preserve="1">
   <p:cSld name="Title, Content">
     <p:spTree>
       <p:nvGrpSpPr>
@@ -548,7 +671,8 @@
           </a:prstGeom>
         </p:spPr>
         <p:txBody>
-          <a:bodyPr lIns="0" rIns="0" tIns="0" bIns="0" anchor="ctr"/>
+          <a:bodyPr lIns="0" tIns="0" rIns="0" bIns="0" anchor="ctr"/>
+          <a:lstStyle/>
           <a:p>
             <a:endParaRPr/>
           </a:p>
@@ -574,7 +698,8 @@
           </a:prstGeom>
         </p:spPr>
         <p:txBody>
-          <a:bodyPr lIns="0" rIns="0" tIns="0" bIns="0"/>
+          <a:bodyPr lIns="0" tIns="0" rIns="0" bIns="0"/>
+          <a:lstStyle/>
           <a:p>
             <a:endParaRPr/>
           </a:p>
@@ -582,11 +707,14 @@
       </p:sp>
     </p:spTree>
   </p:cSld>
+  <p:clrMapOvr>
+    <a:masterClrMapping/>
+  </p:clrMapOvr>
 </p:sldLayout>
 </file>
 
 <file path=ppt/slideLayouts/slideLayout4.xml><?xml version="1.0" encoding="utf-8"?>
-<p:sldLayout xmlns:a="http://schemas.openxmlformats.org/drawingml/2006/main" xmlns:p="http://schemas.openxmlformats.org/presentationml/2006/main" xmlns:r="http://schemas.openxmlformats.org/officeDocument/2006/relationships" type="twoObj" preserve="1">
+<p:sldLayout xmlns:a="http://schemas.openxmlformats.org/drawingml/2006/main" xmlns:r="http://schemas.openxmlformats.org/officeDocument/2006/relationships" xmlns:p="http://schemas.openxmlformats.org/presentationml/2006/main" type="twoObj" preserve="1">
   <p:cSld name="Title, 2 Content">
     <p:spTree>
       <p:nvGrpSpPr>
@@ -622,7 +750,8 @@
           </a:prstGeom>
         </p:spPr>
         <p:txBody>
-          <a:bodyPr lIns="0" rIns="0" tIns="0" bIns="0" anchor="ctr"/>
+          <a:bodyPr lIns="0" tIns="0" rIns="0" bIns="0" anchor="ctr"/>
+          <a:lstStyle/>
           <a:p>
             <a:endParaRPr/>
           </a:p>
@@ -648,7 +777,8 @@
           </a:prstGeom>
         </p:spPr>
         <p:txBody>
-          <a:bodyPr lIns="0" rIns="0" tIns="0" bIns="0"/>
+          <a:bodyPr lIns="0" tIns="0" rIns="0" bIns="0"/>
+          <a:lstStyle/>
           <a:p>
             <a:endParaRPr/>
           </a:p>
@@ -674,7 +804,8 @@
           </a:prstGeom>
         </p:spPr>
         <p:txBody>
-          <a:bodyPr lIns="0" rIns="0" tIns="0" bIns="0"/>
+          <a:bodyPr lIns="0" tIns="0" rIns="0" bIns="0"/>
+          <a:lstStyle/>
           <a:p>
             <a:endParaRPr/>
           </a:p>
@@ -682,11 +813,14 @@
       </p:sp>
     </p:spTree>
   </p:cSld>
+  <p:clrMapOvr>
+    <a:masterClrMapping/>
+  </p:clrMapOvr>
 </p:sldLayout>
 </file>
 
 <file path=ppt/slideLayouts/slideLayout5.xml><?xml version="1.0" encoding="utf-8"?>
-<p:sldLayout xmlns:a="http://schemas.openxmlformats.org/drawingml/2006/main" xmlns:p="http://schemas.openxmlformats.org/presentationml/2006/main" xmlns:r="http://schemas.openxmlformats.org/officeDocument/2006/relationships" type="titleOnly" preserve="1">
+<p:sldLayout xmlns:a="http://schemas.openxmlformats.org/drawingml/2006/main" xmlns:r="http://schemas.openxmlformats.org/officeDocument/2006/relationships" xmlns:p="http://schemas.openxmlformats.org/presentationml/2006/main" type="titleOnly" preserve="1">
   <p:cSld name="Title Only">
     <p:spTree>
       <p:nvGrpSpPr>
@@ -722,7 +856,8 @@
           </a:prstGeom>
         </p:spPr>
         <p:txBody>
-          <a:bodyPr lIns="0" rIns="0" tIns="0" bIns="0" anchor="ctr"/>
+          <a:bodyPr lIns="0" tIns="0" rIns="0" bIns="0" anchor="ctr"/>
+          <a:lstStyle/>
           <a:p>
             <a:endParaRPr/>
           </a:p>
@@ -730,11 +865,14 @@
       </p:sp>
     </p:spTree>
   </p:cSld>
+  <p:clrMapOvr>
+    <a:masterClrMapping/>
+  </p:clrMapOvr>
 </p:sldLayout>
 </file>
 
 <file path=ppt/slideLayouts/slideLayout6.xml><?xml version="1.0" encoding="utf-8"?>
-<p:sldLayout xmlns:a="http://schemas.openxmlformats.org/drawingml/2006/main" xmlns:p="http://schemas.openxmlformats.org/presentationml/2006/main" xmlns:r="http://schemas.openxmlformats.org/officeDocument/2006/relationships" type="objOnly" preserve="1">
+<p:sldLayout xmlns:a="http://schemas.openxmlformats.org/drawingml/2006/main" xmlns:r="http://schemas.openxmlformats.org/officeDocument/2006/relationships" xmlns:p="http://schemas.openxmlformats.org/presentationml/2006/main" type="objOnly" preserve="1">
   <p:cSld name="Centered Text">
     <p:spTree>
       <p:nvGrpSpPr>
@@ -770,7 +908,8 @@
           </a:prstGeom>
         </p:spPr>
         <p:txBody>
-          <a:bodyPr lIns="0" rIns="0" tIns="0" bIns="0" anchor="ctr"/>
+          <a:bodyPr lIns="0" tIns="0" rIns="0" bIns="0" anchor="ctr"/>
+          <a:lstStyle/>
           <a:p>
             <a:pPr algn="ctr"/>
             <a:endParaRPr/>
@@ -779,11 +918,14 @@
       </p:sp>
     </p:spTree>
   </p:cSld>
+  <p:clrMapOvr>
+    <a:masterClrMapping/>
+  </p:clrMapOvr>
 </p:sldLayout>
 </file>
 
 <file path=ppt/slideLayouts/slideLayout7.xml><?xml version="1.0" encoding="utf-8"?>
-<p:sldLayout xmlns:a="http://schemas.openxmlformats.org/drawingml/2006/main" xmlns:p="http://schemas.openxmlformats.org/presentationml/2006/main" xmlns:r="http://schemas.openxmlformats.org/officeDocument/2006/relationships" type="twoObjAndObj" preserve="1">
+<p:sldLayout xmlns:a="http://schemas.openxmlformats.org/drawingml/2006/main" xmlns:r="http://schemas.openxmlformats.org/officeDocument/2006/relationships" xmlns:p="http://schemas.openxmlformats.org/presentationml/2006/main" type="twoObjAndObj" preserve="1">
   <p:cSld name="Title, 2 Content and Content">
     <p:spTree>
       <p:nvGrpSpPr>
@@ -819,7 +961,8 @@
           </a:prstGeom>
         </p:spPr>
         <p:txBody>
-          <a:bodyPr lIns="0" rIns="0" tIns="0" bIns="0" anchor="ctr"/>
+          <a:bodyPr lIns="0" tIns="0" rIns="0" bIns="0" anchor="ctr"/>
+          <a:lstStyle/>
           <a:p>
             <a:endParaRPr/>
           </a:p>
@@ -845,7 +988,8 @@
           </a:prstGeom>
         </p:spPr>
         <p:txBody>
-          <a:bodyPr lIns="0" rIns="0" tIns="0" bIns="0"/>
+          <a:bodyPr lIns="0" tIns="0" rIns="0" bIns="0"/>
+          <a:lstStyle/>
           <a:p>
             <a:endParaRPr/>
           </a:p>
@@ -871,7 +1015,8 @@
           </a:prstGeom>
         </p:spPr>
         <p:txBody>
-          <a:bodyPr lIns="0" rIns="0" tIns="0" bIns="0"/>
+          <a:bodyPr lIns="0" tIns="0" rIns="0" bIns="0"/>
+          <a:lstStyle/>
           <a:p>
             <a:endParaRPr/>
           </a:p>
@@ -897,7 +1042,8 @@
           </a:prstGeom>
         </p:spPr>
         <p:txBody>
-          <a:bodyPr lIns="0" rIns="0" tIns="0" bIns="0"/>
+          <a:bodyPr lIns="0" tIns="0" rIns="0" bIns="0"/>
+          <a:lstStyle/>
           <a:p>
             <a:endParaRPr/>
           </a:p>
@@ -905,11 +1051,14 @@
       </p:sp>
     </p:spTree>
   </p:cSld>
+  <p:clrMapOvr>
+    <a:masterClrMapping/>
+  </p:clrMapOvr>
 </p:sldLayout>
 </file>
 
 <file path=ppt/slideLayouts/slideLayout8.xml><?xml version="1.0" encoding="utf-8"?>
-<p:sldLayout xmlns:a="http://schemas.openxmlformats.org/drawingml/2006/main" xmlns:p="http://schemas.openxmlformats.org/presentationml/2006/main" xmlns:r="http://schemas.openxmlformats.org/officeDocument/2006/relationships" type="objAndTwoObj" preserve="1">
+<p:sldLayout xmlns:a="http://schemas.openxmlformats.org/drawingml/2006/main" xmlns:r="http://schemas.openxmlformats.org/officeDocument/2006/relationships" xmlns:p="http://schemas.openxmlformats.org/presentationml/2006/main" type="objAndTwoObj" preserve="1">
   <p:cSld name="Title Content and 2 Content">
     <p:spTree>
       <p:nvGrpSpPr>
@@ -945,7 +1094,8 @@
           </a:prstGeom>
         </p:spPr>
         <p:txBody>
-          <a:bodyPr lIns="0" rIns="0" tIns="0" bIns="0" anchor="ctr"/>
+          <a:bodyPr lIns="0" tIns="0" rIns="0" bIns="0" anchor="ctr"/>
+          <a:lstStyle/>
           <a:p>
             <a:endParaRPr/>
           </a:p>
@@ -971,7 +1121,8 @@
           </a:prstGeom>
         </p:spPr>
         <p:txBody>
-          <a:bodyPr lIns="0" rIns="0" tIns="0" bIns="0"/>
+          <a:bodyPr lIns="0" tIns="0" rIns="0" bIns="0"/>
+          <a:lstStyle/>
           <a:p>
             <a:endParaRPr/>
           </a:p>
@@ -997,7 +1148,8 @@
           </a:prstGeom>
         </p:spPr>
         <p:txBody>
-          <a:bodyPr lIns="0" rIns="0" tIns="0" bIns="0"/>
+          <a:bodyPr lIns="0" tIns="0" rIns="0" bIns="0"/>
+          <a:lstStyle/>
           <a:p>
             <a:endParaRPr/>
           </a:p>
@@ -1023,7 +1175,8 @@
           </a:prstGeom>
         </p:spPr>
         <p:txBody>
-          <a:bodyPr lIns="0" rIns="0" tIns="0" bIns="0"/>
+          <a:bodyPr lIns="0" tIns="0" rIns="0" bIns="0"/>
+          <a:lstStyle/>
           <a:p>
             <a:endParaRPr/>
           </a:p>
@@ -1031,11 +1184,14 @@
       </p:sp>
     </p:spTree>
   </p:cSld>
+  <p:clrMapOvr>
+    <a:masterClrMapping/>
+  </p:clrMapOvr>
 </p:sldLayout>
 </file>
 
 <file path=ppt/slideLayouts/slideLayout9.xml><?xml version="1.0" encoding="utf-8"?>
-<p:sldLayout xmlns:a="http://schemas.openxmlformats.org/drawingml/2006/main" xmlns:p="http://schemas.openxmlformats.org/presentationml/2006/main" xmlns:r="http://schemas.openxmlformats.org/officeDocument/2006/relationships" type="twoObjOverTx" preserve="1">
+<p:sldLayout xmlns:a="http://schemas.openxmlformats.org/drawingml/2006/main" xmlns:r="http://schemas.openxmlformats.org/officeDocument/2006/relationships" xmlns:p="http://schemas.openxmlformats.org/presentationml/2006/main" type="twoObjOverTx" preserve="1">
   <p:cSld name="Title, 2 Content over Content">
     <p:spTree>
       <p:nvGrpSpPr>
@@ -1071,7 +1227,8 @@
           </a:prstGeom>
         </p:spPr>
         <p:txBody>
-          <a:bodyPr lIns="0" rIns="0" tIns="0" bIns="0" anchor="ctr"/>
+          <a:bodyPr lIns="0" tIns="0" rIns="0" bIns="0" anchor="ctr"/>
+          <a:lstStyle/>
           <a:p>
             <a:endParaRPr/>
           </a:p>
@@ -1097,7 +1254,8 @@
           </a:prstGeom>
         </p:spPr>
         <p:txBody>
-          <a:bodyPr lIns="0" rIns="0" tIns="0" bIns="0"/>
+          <a:bodyPr lIns="0" tIns="0" rIns="0" bIns="0"/>
+          <a:lstStyle/>
           <a:p>
             <a:endParaRPr/>
           </a:p>
@@ -1123,7 +1281,8 @@
           </a:prstGeom>
         </p:spPr>
         <p:txBody>
-          <a:bodyPr lIns="0" rIns="0" tIns="0" bIns="0"/>
+          <a:bodyPr lIns="0" tIns="0" rIns="0" bIns="0"/>
+          <a:lstStyle/>
           <a:p>
             <a:endParaRPr/>
           </a:p>
@@ -1149,7 +1308,8 @@
           </a:prstGeom>
         </p:spPr>
         <p:txBody>
-          <a:bodyPr lIns="0" rIns="0" tIns="0" bIns="0"/>
+          <a:bodyPr lIns="0" tIns="0" rIns="0" bIns="0"/>
+          <a:lstStyle/>
           <a:p>
             <a:endParaRPr/>
           </a:p>
@@ -1157,17 +1317,21 @@
       </p:sp>
     </p:spTree>
   </p:cSld>
+  <p:clrMapOvr>
+    <a:masterClrMapping/>
+  </p:clrMapOvr>
 </p:sldLayout>
 </file>
 
 <file path=ppt/slideMasters/slideMaster1.xml><?xml version="1.0" encoding="utf-8"?>
-<p:sldMaster xmlns:a="http://schemas.openxmlformats.org/drawingml/2006/main" xmlns:p="http://schemas.openxmlformats.org/presentationml/2006/main" xmlns:r="http://schemas.openxmlformats.org/officeDocument/2006/relationships">
+<p:sldMaster xmlns:a="http://schemas.openxmlformats.org/drawingml/2006/main" xmlns:r="http://schemas.openxmlformats.org/officeDocument/2006/relationships" xmlns:p="http://schemas.openxmlformats.org/presentationml/2006/main">
   <p:cSld>
     <p:bg>
       <p:bgPr>
         <a:solidFill>
-          <a:srgbClr val="ffffff"/>
+          <a:srgbClr val="FFFFFF"/>
         </a:solidFill>
+        <a:effectLst/>
       </p:bgPr>
     </p:bg>
     <p:spTree>
@@ -1186,7 +1350,7 @@
       </p:grpSpPr>
       <p:sp>
         <p:nvSpPr>
-          <p:cNvPr id="0" name="PlaceHolder 1"/>
+          <p:cNvPr id="5" name="PlaceHolder 1"/>
           <p:cNvSpPr>
             <a:spLocks noGrp="1"/>
           </p:cNvSpPr>
@@ -1204,7 +1368,8 @@
           </a:prstGeom>
         </p:spPr>
         <p:txBody>
-          <a:bodyPr lIns="81360" rIns="81360" tIns="40680" bIns="40680" anchor="ctr"/>
+          <a:bodyPr lIns="81360" tIns="40680" rIns="81360" bIns="40680" anchor="ctr"/>
+          <a:lstStyle/>
           <a:p>
             <a:pPr algn="ctr">
               <a:lnSpc>
@@ -1226,7 +1391,7 @@
       </p:sp>
       <p:sp>
         <p:nvSpPr>
-          <p:cNvPr id="1" name="PlaceHolder 2"/>
+          <p:cNvPr id="6" name="PlaceHolder 2"/>
           <p:cNvSpPr>
             <a:spLocks noGrp="1"/>
           </p:cNvSpPr>
@@ -1244,7 +1409,8 @@
           </a:prstGeom>
         </p:spPr>
         <p:txBody>
-          <a:bodyPr lIns="81360" rIns="81360" tIns="40680" bIns="40680" anchor="ctr"/>
+          <a:bodyPr lIns="81360" tIns="40680" rIns="81360" bIns="40680" anchor="ctr"/>
+          <a:lstStyle/>
           <a:p>
             <a:pPr>
               <a:lnSpc>
@@ -1254,7 +1420,7 @@
             <a:r>
               <a:rPr lang="en-US" sz="1100">
                 <a:solidFill>
-                  <a:srgbClr val="8b8b8b"/>
+                  <a:srgbClr val="8B8B8B"/>
                 </a:solidFill>
                 <a:latin typeface="Calibri"/>
               </a:rPr>
@@ -1284,7 +1450,8 @@
           </a:prstGeom>
         </p:spPr>
         <p:txBody>
-          <a:bodyPr lIns="81360" rIns="81360" tIns="40680" bIns="40680" anchor="ctr"/>
+          <a:bodyPr lIns="81360" tIns="40680" rIns="81360" bIns="40680" anchor="ctr"/>
+          <a:lstStyle/>
           <a:p>
             <a:endParaRPr/>
           </a:p>
@@ -1310,7 +1477,8 @@
           </a:prstGeom>
         </p:spPr>
         <p:txBody>
-          <a:bodyPr lIns="81360" rIns="81360" tIns="40680" bIns="40680" anchor="ctr"/>
+          <a:bodyPr lIns="81360" tIns="40680" rIns="81360" bIns="40680" anchor="ctr"/>
+          <a:lstStyle/>
           <a:p>
             <a:pPr algn="r">
               <a:lnSpc>
@@ -1320,11 +1488,11 @@
             <a:fld id="{810B7DB4-35F7-4C8F-A84B-EE7D4AF0F530}" type="slidenum">
               <a:rPr lang="en-US" sz="1100">
                 <a:solidFill>
-                  <a:srgbClr val="8b8b8b"/>
+                  <a:srgbClr val="8B8B8B"/>
                 </a:solidFill>
                 <a:latin typeface="Calibri"/>
               </a:rPr>
-              <a:t>&lt;number&gt;</a:t>
+              <a:t>‹N°›</a:t>
             </a:fld>
             <a:endParaRPr/>
           </a:p>
@@ -1350,7 +1518,8 @@
           </a:prstGeom>
         </p:spPr>
         <p:txBody>
-          <a:bodyPr lIns="0" rIns="0" tIns="0" bIns="0"/>
+          <a:bodyPr lIns="0" tIns="0" rIns="0" bIns="0"/>
+          <a:lstStyle/>
           <a:p>
             <a:pPr>
               <a:buSzPct val="45000"/>
@@ -1453,26 +1622,31 @@
       </p:sp>
     </p:spTree>
   </p:cSld>
-  <p:clrMap bg1="lt1" bg2="lt2" tx1="dk1" tx2="dk2" accent1="accent1" accent2="accent2" accent3="accent3" accent4="accent4" accent5="accent5" accent6="accent6" hlink="hlink" folHlink="folHlink"/>
+  <p:clrMap bg1="lt1" tx1="dk1" bg2="lt2" tx2="dk2" accent1="accent1" accent2="accent2" accent3="accent3" accent4="accent4" accent5="accent5" accent6="accent6" hlink="hlink" folHlink="folHlink"/>
   <p:sldLayoutIdLst>
-    <p:sldLayoutId id="2147483649" r:id="rId2"/>
-    <p:sldLayoutId id="2147483650" r:id="rId3"/>
-    <p:sldLayoutId id="2147483651" r:id="rId4"/>
-    <p:sldLayoutId id="2147483652" r:id="rId5"/>
-    <p:sldLayoutId id="2147483653" r:id="rId6"/>
-    <p:sldLayoutId id="2147483654" r:id="rId7"/>
-    <p:sldLayoutId id="2147483655" r:id="rId8"/>
-    <p:sldLayoutId id="2147483656" r:id="rId9"/>
-    <p:sldLayoutId id="2147483657" r:id="rId10"/>
-    <p:sldLayoutId id="2147483658" r:id="rId11"/>
-    <p:sldLayoutId id="2147483659" r:id="rId12"/>
-    <p:sldLayoutId id="2147483660" r:id="rId13"/>
+    <p:sldLayoutId id="2147483649" r:id="rId1"/>
+    <p:sldLayoutId id="2147483650" r:id="rId2"/>
+    <p:sldLayoutId id="2147483651" r:id="rId3"/>
+    <p:sldLayoutId id="2147483652" r:id="rId4"/>
+    <p:sldLayoutId id="2147483653" r:id="rId5"/>
+    <p:sldLayoutId id="2147483654" r:id="rId6"/>
+    <p:sldLayoutId id="2147483655" r:id="rId7"/>
+    <p:sldLayoutId id="2147483656" r:id="rId8"/>
+    <p:sldLayoutId id="2147483657" r:id="rId9"/>
+    <p:sldLayoutId id="2147483658" r:id="rId10"/>
+    <p:sldLayoutId id="2147483659" r:id="rId11"/>
+    <p:sldLayoutId id="2147483660" r:id="rId12"/>
   </p:sldLayoutIdLst>
+  <p:txStyles>
+    <p:titleStyle/>
+    <p:bodyStyle/>
+    <p:otherStyle/>
+  </p:txStyles>
 </p:sldMaster>
 </file>
 
 <file path=ppt/slides/slide1.xml><?xml version="1.0" encoding="utf-8"?>
-<p:sld xmlns:a="http://schemas.openxmlformats.org/drawingml/2006/main" xmlns:p="http://schemas.openxmlformats.org/presentationml/2006/main" xmlns:r="http://schemas.openxmlformats.org/officeDocument/2006/relationships">
+<p:sld xmlns:a="http://schemas.openxmlformats.org/drawingml/2006/main" xmlns:r="http://schemas.openxmlformats.org/officeDocument/2006/relationships" xmlns:p="http://schemas.openxmlformats.org/presentationml/2006/main">
   <p:cSld>
     <p:spTree>
       <p:nvGrpSpPr>
@@ -1490,32 +1664,7 @@
       </p:grpSpPr>
       <p:pic>
         <p:nvPicPr>
-          <p:cNvPr id="39" name="Picture 5" descr=""/>
-          <p:cNvPicPr/>
-          <p:nvPr/>
-        </p:nvPicPr>
-        <p:blipFill>
-          <a:blip r:embed="rId1"/>
-          <a:stretch>
-            <a:fillRect/>
-          </a:stretch>
-        </p:blipFill>
-        <p:spPr>
-          <a:xfrm>
-            <a:off x="7606800" y="-90000"/>
-            <a:ext cx="4110840" cy="6951240"/>
-          </a:xfrm>
-          <a:prstGeom prst="rect">
-            <a:avLst/>
-          </a:prstGeom>
-          <a:ln>
-            <a:noFill/>
-          </a:ln>
-        </p:spPr>
-      </p:pic>
-      <p:pic>
-        <p:nvPicPr>
-          <p:cNvPr id="40" name="Picture 2" descr=""/>
+          <p:cNvPr id="42" name="Picture 4"/>
           <p:cNvPicPr/>
           <p:nvPr/>
         </p:nvPicPr>
@@ -1527,8 +1676,58 @@
         </p:blipFill>
         <p:spPr>
           <a:xfrm>
+            <a:off x="7596000" y="-90360"/>
+            <a:ext cx="4123800" cy="6970320"/>
+          </a:xfrm>
+          <a:prstGeom prst="rect">
+            <a:avLst/>
+          </a:prstGeom>
+          <a:ln>
+            <a:noFill/>
+          </a:ln>
+        </p:spPr>
+      </p:pic>
+      <p:pic>
+        <p:nvPicPr>
+          <p:cNvPr id="40" name="Picture 2"/>
+          <p:cNvPicPr/>
+          <p:nvPr/>
+        </p:nvPicPr>
+        <p:blipFill>
+          <a:blip r:embed="rId3"/>
+          <a:stretch>
+            <a:fillRect/>
+          </a:stretch>
+        </p:blipFill>
+        <p:spPr>
+          <a:xfrm>
             <a:off x="-88920" y="711360"/>
             <a:ext cx="4677840" cy="5422680"/>
+          </a:xfrm>
+          <a:prstGeom prst="rect">
+            <a:avLst/>
+          </a:prstGeom>
+          <a:ln>
+            <a:noFill/>
+          </a:ln>
+        </p:spPr>
+      </p:pic>
+      <p:pic>
+        <p:nvPicPr>
+          <p:cNvPr id="39" name="Picture 5"/>
+          <p:cNvPicPr/>
+          <p:nvPr/>
+        </p:nvPicPr>
+        <p:blipFill>
+          <a:blip r:embed="rId4"/>
+          <a:stretch>
+            <a:fillRect/>
+          </a:stretch>
+        </p:blipFill>
+        <p:spPr>
+          <a:xfrm>
+            <a:off x="4356000" y="-90000"/>
+            <a:ext cx="4110840" cy="6951240"/>
           </a:xfrm>
           <a:prstGeom prst="rect">
             <a:avLst/>
@@ -1558,7 +1757,8 @@
           </a:ln>
         </p:spPr>
         <p:txBody>
-          <a:bodyPr wrap="none" lIns="90000" rIns="90000" tIns="45000" bIns="45000"/>
+          <a:bodyPr wrap="none" lIns="90000" tIns="45000" rIns="90000" bIns="45000"/>
+          <a:lstStyle/>
           <a:p>
             <a:pPr>
               <a:lnSpc>
@@ -1578,31 +1778,6 @@
           </a:p>
         </p:txBody>
       </p:sp>
-      <p:pic>
-        <p:nvPicPr>
-          <p:cNvPr id="42" name="Picture 4" descr=""/>
-          <p:cNvPicPr/>
-          <p:nvPr/>
-        </p:nvPicPr>
-        <p:blipFill>
-          <a:blip r:embed="rId3"/>
-          <a:stretch>
-            <a:fillRect/>
-          </a:stretch>
-        </p:blipFill>
-        <p:spPr>
-          <a:xfrm>
-            <a:off x="4356720" y="-90360"/>
-            <a:ext cx="4123800" cy="6970320"/>
-          </a:xfrm>
-          <a:prstGeom prst="rect">
-            <a:avLst/>
-          </a:prstGeom>
-          <a:ln>
-            <a:noFill/>
-          </a:ln>
-        </p:spPr>
-      </p:pic>
       <p:sp>
         <p:nvSpPr>
           <p:cNvPr id="43" name="CustomShape 2"/>
@@ -1623,7 +1798,49 @@
           </a:ln>
         </p:spPr>
         <p:txBody>
-          <a:bodyPr wrap="none" lIns="90000" rIns="90000" tIns="45000" bIns="45000"/>
+          <a:bodyPr wrap="none" lIns="90000" tIns="45000" rIns="90000" bIns="45000"/>
+          <a:lstStyle/>
+          <a:p>
+            <a:pPr>
+              <a:lnSpc>
+                <a:spcPct val="100000"/>
+              </a:lnSpc>
+            </a:pPr>
+            <a:r>
+              <a:rPr lang="en-US" sz="2400" dirty="0">
+                <a:solidFill>
+                  <a:srgbClr val="FFFFFF"/>
+                </a:solidFill>
+                <a:latin typeface="Times New Roman"/>
+              </a:rPr>
+              <a:t>(b)</a:t>
+            </a:r>
+            <a:endParaRPr dirty="0"/>
+          </a:p>
+        </p:txBody>
+      </p:sp>
+      <p:sp>
+        <p:nvSpPr>
+          <p:cNvPr id="44" name="CustomShape 3"/>
+          <p:cNvSpPr/>
+          <p:nvPr/>
+        </p:nvSpPr>
+        <p:spPr>
+          <a:xfrm>
+            <a:off x="8463240" y="132120"/>
+            <a:ext cx="520920" cy="456120"/>
+          </a:xfrm>
+          <a:prstGeom prst="rect">
+            <a:avLst/>
+          </a:prstGeom>
+          <a:noFill/>
+          <a:ln>
+            <a:noFill/>
+          </a:ln>
+        </p:spPr>
+        <p:txBody>
+          <a:bodyPr wrap="none" lIns="90000" tIns="45000" rIns="90000" bIns="45000"/>
+          <a:lstStyle/>
           <a:p>
             <a:pPr>
               <a:lnSpc>
@@ -1633,47 +1850,7 @@
             <a:r>
               <a:rPr lang="en-US" sz="2400">
                 <a:solidFill>
-                  <a:srgbClr val="ffffff"/>
-                </a:solidFill>
-                <a:latin typeface="Times New Roman"/>
-              </a:rPr>
-              <a:t>(b)</a:t>
-            </a:r>
-            <a:endParaRPr/>
-          </a:p>
-        </p:txBody>
-      </p:sp>
-      <p:sp>
-        <p:nvSpPr>
-          <p:cNvPr id="44" name="CustomShape 3"/>
-          <p:cNvSpPr/>
-          <p:nvPr/>
-        </p:nvSpPr>
-        <p:spPr>
-          <a:xfrm>
-            <a:off x="8463240" y="132120"/>
-            <a:ext cx="520920" cy="456120"/>
-          </a:xfrm>
-          <a:prstGeom prst="rect">
-            <a:avLst/>
-          </a:prstGeom>
-          <a:noFill/>
-          <a:ln>
-            <a:noFill/>
-          </a:ln>
-        </p:spPr>
-        <p:txBody>
-          <a:bodyPr wrap="none" lIns="90000" rIns="90000" tIns="45000" bIns="45000"/>
-          <a:p>
-            <a:pPr>
-              <a:lnSpc>
-                <a:spcPct val="100000"/>
-              </a:lnSpc>
-            </a:pPr>
-            <a:r>
-              <a:rPr lang="en-US" sz="2400">
-                <a:solidFill>
-                  <a:srgbClr val="ffffff"/>
+                  <a:srgbClr val="FFFFFF"/>
                 </a:solidFill>
                 <a:latin typeface="Times New Roman"/>
               </a:rPr>
@@ -1698,11 +1875,11 @@
             <a:avLst/>
           </a:prstGeom>
           <a:solidFill>
-            <a:srgbClr val="ffffff"/>
+            <a:srgbClr val="FFFFFF"/>
           </a:solidFill>
           <a:ln>
             <a:solidFill>
-              <a:srgbClr val="ffffff"/>
+              <a:srgbClr val="FFFFFF"/>
             </a:solidFill>
           </a:ln>
         </p:spPr>
@@ -1757,6 +1934,9 @@
       </p:sp>
     </p:spTree>
   </p:cSld>
+  <p:clrMapOvr>
+    <a:masterClrMapping/>
+  </p:clrMapOvr>
   <p:timing>
     <p:tnLst>
       <p:par>
@@ -1765,14 +1945,14 @@
             <p:seq>
               <p:cTn id="2" nodeType="mainSeq"/>
               <p:prevCondLst>
-                <p:cond delay="0" evt="onPrev">
+                <p:cond evt="onPrev" delay="0">
                   <p:tgtEl>
                     <p:sldTgt/>
                   </p:tgtEl>
                 </p:cond>
               </p:prevCondLst>
               <p:nextCondLst>
-                <p:cond delay="0" evt="onNext">
+                <p:cond evt="onNext" delay="0">
                   <p:tgtEl>
                     <p:sldTgt/>
                   </p:tgtEl>
@@ -2007,5 +2187,7 @@
       </a:bgFillStyleLst>
     </a:fmtScheme>
   </a:themeElements>
+  <a:objectDefaults/>
+  <a:extraClrSchemeLst/>
 </a:theme>
 </file>
--- a/04-CrMagOpt/Pictures/PLEDotPres.pptx
+++ b/04-CrMagOpt/Pictures/PLEDotPres.pptx
@@ -288,7 +288,7 @@
           <a:p>
             <a:fld id="{8DBBD053-8B74-4774-9EDF-619207C4621F}" type="datetimeFigureOut">
               <a:rPr lang="fr-FR" smtClean="0"/>
-              <a:t>20/07/2017</a:t>
+              <a:t>18/08/2017</a:t>
             </a:fld>
             <a:endParaRPr lang="fr-FR"/>
           </a:p>
@@ -458,7 +458,7 @@
           <a:p>
             <a:fld id="{8DBBD053-8B74-4774-9EDF-619207C4621F}" type="datetimeFigureOut">
               <a:rPr lang="fr-FR" smtClean="0"/>
-              <a:t>20/07/2017</a:t>
+              <a:t>18/08/2017</a:t>
             </a:fld>
             <a:endParaRPr lang="fr-FR"/>
           </a:p>
@@ -638,7 +638,7 @@
           <a:p>
             <a:fld id="{8DBBD053-8B74-4774-9EDF-619207C4621F}" type="datetimeFigureOut">
               <a:rPr lang="fr-FR" smtClean="0"/>
-              <a:t>20/07/2017</a:t>
+              <a:t>18/08/2017</a:t>
             </a:fld>
             <a:endParaRPr lang="fr-FR"/>
           </a:p>
@@ -808,7 +808,7 @@
           <a:p>
             <a:fld id="{8DBBD053-8B74-4774-9EDF-619207C4621F}" type="datetimeFigureOut">
               <a:rPr lang="fr-FR" smtClean="0"/>
-              <a:t>20/07/2017</a:t>
+              <a:t>18/08/2017</a:t>
             </a:fld>
             <a:endParaRPr lang="fr-FR"/>
           </a:p>
@@ -1054,7 +1054,7 @@
           <a:p>
             <a:fld id="{8DBBD053-8B74-4774-9EDF-619207C4621F}" type="datetimeFigureOut">
               <a:rPr lang="fr-FR" smtClean="0"/>
-              <a:t>20/07/2017</a:t>
+              <a:t>18/08/2017</a:t>
             </a:fld>
             <a:endParaRPr lang="fr-FR"/>
           </a:p>
@@ -1342,7 +1342,7 @@
           <a:p>
             <a:fld id="{8DBBD053-8B74-4774-9EDF-619207C4621F}" type="datetimeFigureOut">
               <a:rPr lang="fr-FR" smtClean="0"/>
-              <a:t>20/07/2017</a:t>
+              <a:t>18/08/2017</a:t>
             </a:fld>
             <a:endParaRPr lang="fr-FR"/>
           </a:p>
@@ -1769,7 +1769,7 @@
           <a:p>
             <a:fld id="{8DBBD053-8B74-4774-9EDF-619207C4621F}" type="datetimeFigureOut">
               <a:rPr lang="fr-FR" smtClean="0"/>
-              <a:t>20/07/2017</a:t>
+              <a:t>18/08/2017</a:t>
             </a:fld>
             <a:endParaRPr lang="fr-FR"/>
           </a:p>
@@ -1887,7 +1887,7 @@
           <a:p>
             <a:fld id="{8DBBD053-8B74-4774-9EDF-619207C4621F}" type="datetimeFigureOut">
               <a:rPr lang="fr-FR" smtClean="0"/>
-              <a:t>20/07/2017</a:t>
+              <a:t>18/08/2017</a:t>
             </a:fld>
             <a:endParaRPr lang="fr-FR"/>
           </a:p>
@@ -1982,7 +1982,7 @@
           <a:p>
             <a:fld id="{8DBBD053-8B74-4774-9EDF-619207C4621F}" type="datetimeFigureOut">
               <a:rPr lang="fr-FR" smtClean="0"/>
-              <a:t>20/07/2017</a:t>
+              <a:t>18/08/2017</a:t>
             </a:fld>
             <a:endParaRPr lang="fr-FR"/>
           </a:p>
@@ -2259,7 +2259,7 @@
           <a:p>
             <a:fld id="{8DBBD053-8B74-4774-9EDF-619207C4621F}" type="datetimeFigureOut">
               <a:rPr lang="fr-FR" smtClean="0"/>
-              <a:t>20/07/2017</a:t>
+              <a:t>18/08/2017</a:t>
             </a:fld>
             <a:endParaRPr lang="fr-FR"/>
           </a:p>
@@ -2512,7 +2512,7 @@
           <a:p>
             <a:fld id="{8DBBD053-8B74-4774-9EDF-619207C4621F}" type="datetimeFigureOut">
               <a:rPr lang="fr-FR" smtClean="0"/>
-              <a:t>20/07/2017</a:t>
+              <a:t>18/08/2017</a:t>
             </a:fld>
             <a:endParaRPr lang="fr-FR"/>
           </a:p>
@@ -2725,7 +2725,7 @@
           <a:p>
             <a:fld id="{8DBBD053-8B74-4774-9EDF-619207C4621F}" type="datetimeFigureOut">
               <a:rPr lang="fr-FR" smtClean="0"/>
-              <a:t>20/07/2017</a:t>
+              <a:t>18/08/2017</a:t>
             </a:fld>
             <a:endParaRPr lang="fr-FR"/>
           </a:p>
@@ -3102,7 +3102,7 @@
       </p:grpSpPr>
       <p:pic>
         <p:nvPicPr>
-          <p:cNvPr id="1027" name="Picture 3"/>
+          <p:cNvPr id="2" name="Picture 3"/>
           <p:cNvPicPr>
             <a:picLocks noChangeAspect="1" noChangeArrowheads="1"/>
           </p:cNvPicPr>
@@ -3166,7 +3166,7 @@
       </p:pic>
       <p:pic>
         <p:nvPicPr>
-          <p:cNvPr id="1028" name="Picture 4"/>
+          <p:cNvPr id="71" name="Picture 2"/>
           <p:cNvPicPr>
             <a:picLocks noChangeAspect="1" noChangeArrowheads="1"/>
           </p:cNvPicPr>
@@ -3174,70 +3174,6 @@
         </p:nvPicPr>
         <p:blipFill>
           <a:blip r:embed="rId3">
-            <a:extLst>
-              <a:ext uri="{28A0092B-C50C-407E-A947-70E740481C1C}">
-                <a14:useLocalDpi xmlns:a14="http://schemas.microsoft.com/office/drawing/2010/main" val="0"/>
-              </a:ext>
-            </a:extLst>
-          </a:blip>
-          <a:srcRect/>
-          <a:stretch>
-            <a:fillRect/>
-          </a:stretch>
-        </p:blipFill>
-        <p:spPr bwMode="auto">
-          <a:xfrm>
-            <a:off x="4356000" y="-90000"/>
-            <a:ext cx="4154487" cy="7024688"/>
-          </a:xfrm>
-          <a:prstGeom prst="rect">
-            <a:avLst/>
-          </a:prstGeom>
-          <a:noFill/>
-          <a:ln>
-            <a:noFill/>
-          </a:ln>
-          <a:effectLst/>
-          <a:extLst>
-            <a:ext uri="{909E8E84-426E-40DD-AFC4-6F175D3DCCD1}">
-              <a14:hiddenFill xmlns:a14="http://schemas.microsoft.com/office/drawing/2010/main">
-                <a:solidFill>
-                  <a:schemeClr val="accent1"/>
-                </a:solidFill>
-              </a14:hiddenFill>
-            </a:ext>
-            <a:ext uri="{91240B29-F687-4F45-9708-019B960494DF}">
-              <a14:hiddenLine xmlns:a14="http://schemas.microsoft.com/office/drawing/2010/main" w="9525">
-                <a:solidFill>
-                  <a:schemeClr val="tx1"/>
-                </a:solidFill>
-                <a:miter lim="800000"/>
-                <a:headEnd/>
-                <a:tailEnd/>
-              </a14:hiddenLine>
-            </a:ext>
-            <a:ext uri="{AF507438-7753-43E0-B8FC-AC1667EBCBE1}">
-              <a14:hiddenEffects xmlns:a14="http://schemas.microsoft.com/office/drawing/2010/main">
-                <a:effectLst>
-                  <a:outerShdw dist="35921" dir="2700000" algn="ctr" rotWithShape="0">
-                    <a:schemeClr val="bg2"/>
-                  </a:outerShdw>
-                </a:effectLst>
-              </a14:hiddenEffects>
-            </a:ext>
-          </a:extLst>
-        </p:spPr>
-      </p:pic>
-      <p:pic>
-        <p:nvPicPr>
-          <p:cNvPr id="71" name="Picture 2"/>
-          <p:cNvPicPr>
-            <a:picLocks noChangeAspect="1" noChangeArrowheads="1"/>
-          </p:cNvPicPr>
-          <p:nvPr/>
-        </p:nvPicPr>
-        <p:blipFill>
-          <a:blip r:embed="rId4">
             <a:extLst>
               <a:ext uri="{28A0092B-C50C-407E-A947-70E740481C1C}">
                 <a14:useLocalDpi xmlns:a14="http://schemas.microsoft.com/office/drawing/2010/main" val="0"/>
@@ -3328,6 +3264,70 @@
           </a:p>
         </p:txBody>
       </p:sp>
+      <p:pic>
+        <p:nvPicPr>
+          <p:cNvPr id="1026" name="Picture 2"/>
+          <p:cNvPicPr>
+            <a:picLocks noChangeAspect="1" noChangeArrowheads="1"/>
+          </p:cNvPicPr>
+          <p:nvPr/>
+        </p:nvPicPr>
+        <p:blipFill>
+          <a:blip r:embed="rId4">
+            <a:extLst>
+              <a:ext uri="{28A0092B-C50C-407E-A947-70E740481C1C}">
+                <a14:useLocalDpi xmlns:a14="http://schemas.microsoft.com/office/drawing/2010/main" val="0"/>
+              </a:ext>
+            </a:extLst>
+          </a:blip>
+          <a:srcRect/>
+          <a:stretch>
+            <a:fillRect/>
+          </a:stretch>
+        </p:blipFill>
+        <p:spPr bwMode="auto">
+          <a:xfrm>
+            <a:off x="4338000" y="-90000"/>
+            <a:ext cx="4154487" cy="7024688"/>
+          </a:xfrm>
+          <a:prstGeom prst="rect">
+            <a:avLst/>
+          </a:prstGeom>
+          <a:noFill/>
+          <a:ln>
+            <a:noFill/>
+          </a:ln>
+          <a:effectLst/>
+          <a:extLst>
+            <a:ext uri="{909E8E84-426E-40DD-AFC4-6F175D3DCCD1}">
+              <a14:hiddenFill xmlns:a14="http://schemas.microsoft.com/office/drawing/2010/main">
+                <a:solidFill>
+                  <a:schemeClr val="accent1"/>
+                </a:solidFill>
+              </a14:hiddenFill>
+            </a:ext>
+            <a:ext uri="{91240B29-F687-4F45-9708-019B960494DF}">
+              <a14:hiddenLine xmlns:a14="http://schemas.microsoft.com/office/drawing/2010/main" w="9525">
+                <a:solidFill>
+                  <a:schemeClr val="tx1"/>
+                </a:solidFill>
+                <a:miter lim="800000"/>
+                <a:headEnd/>
+                <a:tailEnd/>
+              </a14:hiddenLine>
+            </a:ext>
+            <a:ext uri="{AF507438-7753-43E0-B8FC-AC1667EBCBE1}">
+              <a14:hiddenEffects xmlns:a14="http://schemas.microsoft.com/office/drawing/2010/main">
+                <a:effectLst>
+                  <a:outerShdw dist="35921" dir="2700000" algn="ctr" rotWithShape="0">
+                    <a:schemeClr val="bg2"/>
+                  </a:outerShdw>
+                </a:effectLst>
+              </a14:hiddenEffects>
+            </a:ext>
+          </a:extLst>
+        </p:spPr>
+      </p:pic>
       <p:sp>
         <p:nvSpPr>
           <p:cNvPr id="75" name="ZoneTexte 74"/>
@@ -3409,6 +3409,82 @@
               <a:latin typeface="Times New Roman" pitchFamily="18" charset="0"/>
               <a:cs typeface="Times New Roman" pitchFamily="18" charset="0"/>
             </a:endParaRPr>
+          </a:p>
+        </p:txBody>
+      </p:sp>
+      <p:sp>
+        <p:nvSpPr>
+          <p:cNvPr id="9" name="ZoneTexte 8"/>
+          <p:cNvSpPr txBox="1"/>
+          <p:nvPr/>
+        </p:nvSpPr>
+        <p:spPr>
+          <a:xfrm>
+            <a:off x="3492624" y="1273934"/>
+            <a:ext cx="691664" cy="400110"/>
+          </a:xfrm>
+          <a:prstGeom prst="rect">
+            <a:avLst/>
+          </a:prstGeom>
+          <a:solidFill>
+            <a:schemeClr val="bg1"/>
+          </a:solidFill>
+        </p:spPr>
+        <p:txBody>
+          <a:bodyPr wrap="none" rtlCol="0">
+            <a:spAutoFit/>
+          </a:bodyPr>
+          <a:lstStyle/>
+          <a:p>
+            <a:r>
+              <a:rPr lang="fr-FR" sz="2000" dirty="0" err="1" smtClean="0">
+                <a:latin typeface="Symbol" pitchFamily="18" charset="2"/>
+              </a:rPr>
+              <a:t>s</a:t>
+            </a:r>
+            <a:r>
+              <a:rPr lang="fr-FR" sz="2000" baseline="-25000" dirty="0" err="1" smtClean="0"/>
+              <a:t>cross</a:t>
+            </a:r>
+            <a:endParaRPr lang="fr-FR" sz="2000" dirty="0"/>
+          </a:p>
+        </p:txBody>
+      </p:sp>
+      <p:sp>
+        <p:nvSpPr>
+          <p:cNvPr id="3" name="ZoneTexte 2"/>
+          <p:cNvSpPr txBox="1"/>
+          <p:nvPr/>
+        </p:nvSpPr>
+        <p:spPr>
+          <a:xfrm>
+            <a:off x="3497633" y="985902"/>
+            <a:ext cx="499047" cy="400110"/>
+          </a:xfrm>
+          <a:prstGeom prst="rect">
+            <a:avLst/>
+          </a:prstGeom>
+          <a:solidFill>
+            <a:schemeClr val="bg1"/>
+          </a:solidFill>
+        </p:spPr>
+        <p:txBody>
+          <a:bodyPr wrap="none" rtlCol="0">
+            <a:spAutoFit/>
+          </a:bodyPr>
+          <a:lstStyle/>
+          <a:p>
+            <a:r>
+              <a:rPr lang="fr-FR" sz="2000" dirty="0" err="1" smtClean="0">
+                <a:latin typeface="Symbol" pitchFamily="18" charset="2"/>
+              </a:rPr>
+              <a:t>s</a:t>
+            </a:r>
+            <a:r>
+              <a:rPr lang="fr-FR" sz="2000" baseline="-25000" dirty="0" err="1" smtClean="0"/>
+              <a:t>co</a:t>
+            </a:r>
+            <a:endParaRPr lang="fr-FR" sz="2000" dirty="0"/>
           </a:p>
         </p:txBody>
       </p:sp>
